--- a/Docker.pptx
+++ b/Docker.pptx
@@ -284,7 +284,7 @@
           <a:p>
             <a:fld id="{36011C3A-3CF8-40AE-BD43-E63682F570AB}" type="datetimeFigureOut">
               <a:rPr lang="en-US" smtClean="0"/>
-              <a:t>13-May-23</a:t>
+              <a:t>15-May-23</a:t>
             </a:fld>
             <a:endParaRPr lang="en-US"/>
           </a:p>
@@ -482,7 +482,7 @@
           <a:p>
             <a:fld id="{36011C3A-3CF8-40AE-BD43-E63682F570AB}" type="datetimeFigureOut">
               <a:rPr lang="en-US" smtClean="0"/>
-              <a:t>13-May-23</a:t>
+              <a:t>15-May-23</a:t>
             </a:fld>
             <a:endParaRPr lang="en-US"/>
           </a:p>
@@ -690,7 +690,7 @@
           <a:p>
             <a:fld id="{36011C3A-3CF8-40AE-BD43-E63682F570AB}" type="datetimeFigureOut">
               <a:rPr lang="en-US" smtClean="0"/>
-              <a:t>13-May-23</a:t>
+              <a:t>15-May-23</a:t>
             </a:fld>
             <a:endParaRPr lang="en-US"/>
           </a:p>
@@ -888,7 +888,7 @@
           <a:p>
             <a:fld id="{36011C3A-3CF8-40AE-BD43-E63682F570AB}" type="datetimeFigureOut">
               <a:rPr lang="en-US" smtClean="0"/>
-              <a:t>13-May-23</a:t>
+              <a:t>15-May-23</a:t>
             </a:fld>
             <a:endParaRPr lang="en-US"/>
           </a:p>
@@ -1163,7 +1163,7 @@
           <a:p>
             <a:fld id="{36011C3A-3CF8-40AE-BD43-E63682F570AB}" type="datetimeFigureOut">
               <a:rPr lang="en-US" smtClean="0"/>
-              <a:t>13-May-23</a:t>
+              <a:t>15-May-23</a:t>
             </a:fld>
             <a:endParaRPr lang="en-US"/>
           </a:p>
@@ -1428,7 +1428,7 @@
           <a:p>
             <a:fld id="{36011C3A-3CF8-40AE-BD43-E63682F570AB}" type="datetimeFigureOut">
               <a:rPr lang="en-US" smtClean="0"/>
-              <a:t>13-May-23</a:t>
+              <a:t>15-May-23</a:t>
             </a:fld>
             <a:endParaRPr lang="en-US"/>
           </a:p>
@@ -1840,7 +1840,7 @@
           <a:p>
             <a:fld id="{36011C3A-3CF8-40AE-BD43-E63682F570AB}" type="datetimeFigureOut">
               <a:rPr lang="en-US" smtClean="0"/>
-              <a:t>13-May-23</a:t>
+              <a:t>15-May-23</a:t>
             </a:fld>
             <a:endParaRPr lang="en-US"/>
           </a:p>
@@ -1981,7 +1981,7 @@
           <a:p>
             <a:fld id="{36011C3A-3CF8-40AE-BD43-E63682F570AB}" type="datetimeFigureOut">
               <a:rPr lang="en-US" smtClean="0"/>
-              <a:t>13-May-23</a:t>
+              <a:t>15-May-23</a:t>
             </a:fld>
             <a:endParaRPr lang="en-US"/>
           </a:p>
@@ -2094,7 +2094,7 @@
           <a:p>
             <a:fld id="{36011C3A-3CF8-40AE-BD43-E63682F570AB}" type="datetimeFigureOut">
               <a:rPr lang="en-US" smtClean="0"/>
-              <a:t>13-May-23</a:t>
+              <a:t>15-May-23</a:t>
             </a:fld>
             <a:endParaRPr lang="en-US"/>
           </a:p>
@@ -2405,7 +2405,7 @@
           <a:p>
             <a:fld id="{36011C3A-3CF8-40AE-BD43-E63682F570AB}" type="datetimeFigureOut">
               <a:rPr lang="en-US" smtClean="0"/>
-              <a:t>13-May-23</a:t>
+              <a:t>15-May-23</a:t>
             </a:fld>
             <a:endParaRPr lang="en-US"/>
           </a:p>
@@ -2693,7 +2693,7 @@
           <a:p>
             <a:fld id="{36011C3A-3CF8-40AE-BD43-E63682F570AB}" type="datetimeFigureOut">
               <a:rPr lang="en-US" smtClean="0"/>
-              <a:t>13-May-23</a:t>
+              <a:t>15-May-23</a:t>
             </a:fld>
             <a:endParaRPr lang="en-US"/>
           </a:p>
@@ -2934,7 +2934,7 @@
           <a:p>
             <a:fld id="{36011C3A-3CF8-40AE-BD43-E63682F570AB}" type="datetimeFigureOut">
               <a:rPr lang="en-US" smtClean="0"/>
-              <a:t>13-May-23</a:t>
+              <a:t>15-May-23</a:t>
             </a:fld>
             <a:endParaRPr lang="en-US"/>
           </a:p>
@@ -5673,7 +5673,7 @@
         </p:blipFill>
         <p:spPr bwMode="auto">
           <a:xfrm>
-            <a:off x="1655618" y="1114362"/>
+            <a:off x="1087582" y="1017380"/>
             <a:ext cx="8880764" cy="5549675"/>
           </a:xfrm>
           <a:prstGeom prst="rect">
@@ -7825,41 +7825,25 @@
                 <a:effectLst/>
                 <a:latin typeface="-apple-system"/>
               </a:rPr>
-              <a:t>Docker host is the machine where you installed the docker engine</a:t>
-            </a:r>
-          </a:p>
-          <a:p>
-            <a:pPr lvl="1">
-              <a:buFont typeface="Wingdings" panose="05000000000000000000" pitchFamily="2" charset="2"/>
-              <a:buChar char="Ø"/>
-            </a:pPr>
-            <a:r>
-              <a:rPr lang="en-US" b="0" i="0" dirty="0">
+              <a:t>Docker host is the machine where you installed the </a:t>
+            </a:r>
+            <a:r>
+              <a:rPr lang="en-US" b="0" i="0">
                 <a:solidFill>
                   <a:srgbClr val="232629"/>
                 </a:solidFill>
                 <a:effectLst/>
                 <a:latin typeface="-apple-system"/>
               </a:rPr>
-              <a:t>Host = container implementation </a:t>
-            </a:r>
-          </a:p>
-          <a:p>
-            <a:pPr lvl="1">
-              <a:buFont typeface="Wingdings" panose="05000000000000000000" pitchFamily="2" charset="2"/>
-              <a:buChar char="Ø"/>
-            </a:pPr>
-            <a:r>
-              <a:rPr lang="en-US" b="0" i="0" dirty="0">
-                <a:solidFill>
-                  <a:srgbClr val="232629"/>
-                </a:solidFill>
-                <a:effectLst/>
-                <a:latin typeface="-apple-system"/>
-              </a:rPr>
-              <a:t>Docker = app packaging and container management</a:t>
-            </a:r>
-            <a:endParaRPr lang="en-US" dirty="0"/>
+              <a:t>docker engine</a:t>
+            </a:r>
+            <a:endParaRPr lang="en-US" b="0" i="0" dirty="0">
+              <a:solidFill>
+                <a:srgbClr val="232629"/>
+              </a:solidFill>
+              <a:effectLst/>
+              <a:latin typeface="-apple-system"/>
+            </a:endParaRPr>
           </a:p>
         </p:txBody>
       </p:sp>
